--- a/Images.pptx
+++ b/Images.pptx
@@ -288,7 +288,7 @@
           <a:p>
             <a:fld id="{EDB9F29D-6AB9-429D-8AC9-6346A06A5F71}" type="datetimeFigureOut">
               <a:rPr lang="en-US" smtClean="0"/>
-              <a:t>07-Nov-22</a:t>
+              <a:t>22-Dec-23</a:t>
             </a:fld>
             <a:endParaRPr lang="en-US"/>
           </a:p>
@@ -458,7 +458,7 @@
           <a:p>
             <a:fld id="{EDB9F29D-6AB9-429D-8AC9-6346A06A5F71}" type="datetimeFigureOut">
               <a:rPr lang="en-US" smtClean="0"/>
-              <a:t>07-Nov-22</a:t>
+              <a:t>22-Dec-23</a:t>
             </a:fld>
             <a:endParaRPr lang="en-US"/>
           </a:p>
@@ -638,7 +638,7 @@
           <a:p>
             <a:fld id="{EDB9F29D-6AB9-429D-8AC9-6346A06A5F71}" type="datetimeFigureOut">
               <a:rPr lang="en-US" smtClean="0"/>
-              <a:t>07-Nov-22</a:t>
+              <a:t>22-Dec-23</a:t>
             </a:fld>
             <a:endParaRPr lang="en-US"/>
           </a:p>
@@ -808,7 +808,7 @@
           <a:p>
             <a:fld id="{EDB9F29D-6AB9-429D-8AC9-6346A06A5F71}" type="datetimeFigureOut">
               <a:rPr lang="en-US" smtClean="0"/>
-              <a:t>07-Nov-22</a:t>
+              <a:t>22-Dec-23</a:t>
             </a:fld>
             <a:endParaRPr lang="en-US"/>
           </a:p>
@@ -1054,7 +1054,7 @@
           <a:p>
             <a:fld id="{EDB9F29D-6AB9-429D-8AC9-6346A06A5F71}" type="datetimeFigureOut">
               <a:rPr lang="en-US" smtClean="0"/>
-              <a:t>07-Nov-22</a:t>
+              <a:t>22-Dec-23</a:t>
             </a:fld>
             <a:endParaRPr lang="en-US"/>
           </a:p>
@@ -1342,7 +1342,7 @@
           <a:p>
             <a:fld id="{EDB9F29D-6AB9-429D-8AC9-6346A06A5F71}" type="datetimeFigureOut">
               <a:rPr lang="en-US" smtClean="0"/>
-              <a:t>07-Nov-22</a:t>
+              <a:t>22-Dec-23</a:t>
             </a:fld>
             <a:endParaRPr lang="en-US"/>
           </a:p>
@@ -1764,7 +1764,7 @@
           <a:p>
             <a:fld id="{EDB9F29D-6AB9-429D-8AC9-6346A06A5F71}" type="datetimeFigureOut">
               <a:rPr lang="en-US" smtClean="0"/>
-              <a:t>07-Nov-22</a:t>
+              <a:t>22-Dec-23</a:t>
             </a:fld>
             <a:endParaRPr lang="en-US"/>
           </a:p>
@@ -1882,7 +1882,7 @@
           <a:p>
             <a:fld id="{EDB9F29D-6AB9-429D-8AC9-6346A06A5F71}" type="datetimeFigureOut">
               <a:rPr lang="en-US" smtClean="0"/>
-              <a:t>07-Nov-22</a:t>
+              <a:t>22-Dec-23</a:t>
             </a:fld>
             <a:endParaRPr lang="en-US"/>
           </a:p>
@@ -1977,7 +1977,7 @@
           <a:p>
             <a:fld id="{EDB9F29D-6AB9-429D-8AC9-6346A06A5F71}" type="datetimeFigureOut">
               <a:rPr lang="en-US" smtClean="0"/>
-              <a:t>07-Nov-22</a:t>
+              <a:t>22-Dec-23</a:t>
             </a:fld>
             <a:endParaRPr lang="en-US"/>
           </a:p>
@@ -2254,7 +2254,7 @@
           <a:p>
             <a:fld id="{EDB9F29D-6AB9-429D-8AC9-6346A06A5F71}" type="datetimeFigureOut">
               <a:rPr lang="en-US" smtClean="0"/>
-              <a:t>07-Nov-22</a:t>
+              <a:t>22-Dec-23</a:t>
             </a:fld>
             <a:endParaRPr lang="en-US"/>
           </a:p>
@@ -2507,7 +2507,7 @@
           <a:p>
             <a:fld id="{EDB9F29D-6AB9-429D-8AC9-6346A06A5F71}" type="datetimeFigureOut">
               <a:rPr lang="en-US" smtClean="0"/>
-              <a:t>07-Nov-22</a:t>
+              <a:t>22-Dec-23</a:t>
             </a:fld>
             <a:endParaRPr lang="en-US"/>
           </a:p>
@@ -2720,7 +2720,7 @@
           <a:p>
             <a:fld id="{EDB9F29D-6AB9-429D-8AC9-6346A06A5F71}" type="datetimeFigureOut">
               <a:rPr lang="en-US" smtClean="0"/>
-              <a:t>07-Nov-22</a:t>
+              <a:t>22-Dec-23</a:t>
             </a:fld>
             <a:endParaRPr lang="en-US"/>
           </a:p>
@@ -3338,6 +3338,173 @@
           </a:p>
         </p:txBody>
       </p:sp>
+      <p:pic>
+        <p:nvPicPr>
+          <p:cNvPr id="1027" name="Picture 3" descr="C:\Users\derek\AppData\Local\Microsoft\Windows\INetCache\IE\J42BKA2G\iphone-2464968_960_720[1].png"/>
+          <p:cNvPicPr>
+            <a:picLocks noChangeAspect="1" noChangeArrowheads="1"/>
+          </p:cNvPicPr>
+          <p:nvPr/>
+        </p:nvPicPr>
+        <p:blipFill>
+          <a:blip r:embed="rId2" cstate="print">
+            <a:extLst>
+              <a:ext uri="{28A0092B-C50C-407E-A947-70E740481C1C}">
+                <a14:useLocalDpi xmlns:a14="http://schemas.microsoft.com/office/drawing/2010/main" val="0"/>
+              </a:ext>
+            </a:extLst>
+          </a:blip>
+          <a:srcRect/>
+          <a:stretch>
+            <a:fillRect/>
+          </a:stretch>
+        </p:blipFill>
+        <p:spPr bwMode="auto">
+          <a:xfrm>
+            <a:off x="3200400" y="3886200"/>
+            <a:ext cx="3203272" cy="2402454"/>
+          </a:xfrm>
+          <a:prstGeom prst="rect">
+            <a:avLst/>
+          </a:prstGeom>
+          <a:noFill/>
+          <a:extLst>
+            <a:ext uri="{909E8E84-426E-40DD-AFC4-6F175D3DCCD1}">
+              <a14:hiddenFill xmlns:a14="http://schemas.microsoft.com/office/drawing/2010/main">
+                <a:solidFill>
+                  <a:srgbClr val="FFFFFF"/>
+                </a:solidFill>
+              </a14:hiddenFill>
+            </a:ext>
+          </a:extLst>
+        </p:spPr>
+      </p:pic>
+      <p:sp>
+        <p:nvSpPr>
+          <p:cNvPr id="2" name="Donut 1"/>
+          <p:cNvSpPr/>
+          <p:nvPr/>
+        </p:nvSpPr>
+        <p:spPr>
+          <a:xfrm>
+            <a:off x="3421451" y="3774054"/>
+            <a:ext cx="2761170" cy="2514600"/>
+          </a:xfrm>
+          <a:prstGeom prst="donut">
+            <a:avLst>
+              <a:gd name="adj" fmla="val 2311"/>
+            </a:avLst>
+          </a:prstGeom>
+          <a:solidFill>
+            <a:srgbClr val="FF0000"/>
+          </a:solidFill>
+          <a:ln>
+            <a:solidFill>
+              <a:srgbClr val="FF0000"/>
+            </a:solidFill>
+          </a:ln>
+        </p:spPr>
+        <p:style>
+          <a:lnRef idx="2">
+            <a:schemeClr val="accent1">
+              <a:shade val="50000"/>
+            </a:schemeClr>
+          </a:lnRef>
+          <a:fillRef idx="1">
+            <a:schemeClr val="accent1"/>
+          </a:fillRef>
+          <a:effectRef idx="0">
+            <a:schemeClr val="accent1"/>
+          </a:effectRef>
+          <a:fontRef idx="minor">
+            <a:schemeClr val="lt1"/>
+          </a:fontRef>
+        </p:style>
+        <p:txBody>
+          <a:bodyPr rtlCol="0" anchor="ctr"/>
+          <a:lstStyle/>
+          <a:p>
+            <a:pPr algn="ctr"/>
+            <a:endParaRPr lang="en-US">
+              <a:solidFill>
+                <a:schemeClr val="tx1"/>
+              </a:solidFill>
+            </a:endParaRPr>
+          </a:p>
+        </p:txBody>
+      </p:sp>
+      <p:cxnSp>
+        <p:nvCxnSpPr>
+          <p:cNvPr id="6" name="Straight Connector 5"/>
+          <p:cNvCxnSpPr>
+            <a:endCxn id="2" idx="5"/>
+          </p:cNvCxnSpPr>
+          <p:nvPr/>
+        </p:nvCxnSpPr>
+        <p:spPr>
+          <a:xfrm>
+            <a:off x="3810000" y="4191000"/>
+            <a:ext cx="1968257" cy="1729399"/>
+          </a:xfrm>
+          <a:prstGeom prst="line">
+            <a:avLst/>
+          </a:prstGeom>
+          <a:ln w="63500">
+            <a:solidFill>
+              <a:srgbClr val="FF0000"/>
+            </a:solidFill>
+          </a:ln>
+        </p:spPr>
+        <p:style>
+          <a:lnRef idx="1">
+            <a:schemeClr val="accent1"/>
+          </a:lnRef>
+          <a:fillRef idx="0">
+            <a:schemeClr val="accent1"/>
+          </a:fillRef>
+          <a:effectRef idx="0">
+            <a:schemeClr val="accent1"/>
+          </a:effectRef>
+          <a:fontRef idx="minor">
+            <a:schemeClr val="tx1"/>
+          </a:fontRef>
+        </p:style>
+      </p:cxnSp>
+      <p:cxnSp>
+        <p:nvCxnSpPr>
+          <p:cNvPr id="10" name="Straight Connector 9"/>
+          <p:cNvCxnSpPr/>
+          <p:nvPr/>
+        </p:nvCxnSpPr>
+        <p:spPr>
+          <a:xfrm flipH="1">
+            <a:off x="3962400" y="4098985"/>
+            <a:ext cx="1765544" cy="1821414"/>
+          </a:xfrm>
+          <a:prstGeom prst="line">
+            <a:avLst/>
+          </a:prstGeom>
+          <a:ln w="63500">
+            <a:solidFill>
+              <a:srgbClr val="FF0000"/>
+            </a:solidFill>
+          </a:ln>
+        </p:spPr>
+        <p:style>
+          <a:lnRef idx="1">
+            <a:schemeClr val="accent1"/>
+          </a:lnRef>
+          <a:fillRef idx="0">
+            <a:schemeClr val="accent1"/>
+          </a:fillRef>
+          <a:effectRef idx="0">
+            <a:schemeClr val="accent1"/>
+          </a:effectRef>
+          <a:fontRef idx="minor">
+            <a:schemeClr val="tx1"/>
+          </a:fontRef>
+        </p:style>
+      </p:cxnSp>
     </p:spTree>
     <p:extLst>
       <p:ext uri="{BB962C8B-B14F-4D97-AF65-F5344CB8AC3E}">

--- a/Images.pptx
+++ b/Images.pptx
@@ -3479,7 +3479,7 @@
         <p:spPr>
           <a:xfrm flipH="1">
             <a:off x="3962400" y="4098985"/>
-            <a:ext cx="1765544" cy="1821414"/>
+            <a:ext cx="1765544" cy="1920815"/>
           </a:xfrm>
           <a:prstGeom prst="line">
             <a:avLst/>
